--- a/Day 9 & 10/2. JSPs/Slides/4. Using the Request and Server Context through Built-in Objects/4-java-ee-java-server-pages-m4-slides.pptx
+++ b/Day 9 & 10/2. JSPs/Slides/4. Using the Request and Server Context through Built-in Objects/4-java-ee-java-server-pages-m4-slides.pptx
@@ -5,49 +5,49 @@
     <p:sldMasterId id="2147483648" r:id="rId1"/>
   </p:sldMasterIdLst>
   <p:notesMasterIdLst>
-    <p:notesMasterId r:id="rId43"/>
+    <p:notesMasterId r:id="rId42"/>
   </p:notesMasterIdLst>
   <p:sldIdLst>
-    <p:sldId id="256" r:id="rId3"/>
-    <p:sldId id="257" r:id="rId4"/>
-    <p:sldId id="258" r:id="rId5"/>
-    <p:sldId id="259" r:id="rId6"/>
-    <p:sldId id="283" r:id="rId7"/>
-    <p:sldId id="284" r:id="rId8"/>
-    <p:sldId id="285" r:id="rId9"/>
-    <p:sldId id="286" r:id="rId10"/>
-    <p:sldId id="287" r:id="rId11"/>
-    <p:sldId id="260" r:id="rId12"/>
-    <p:sldId id="261" r:id="rId13"/>
-    <p:sldId id="291" r:id="rId14"/>
-    <p:sldId id="288" r:id="rId15"/>
-    <p:sldId id="289" r:id="rId16"/>
-    <p:sldId id="290" r:id="rId17"/>
-    <p:sldId id="262" r:id="rId18"/>
-    <p:sldId id="263" r:id="rId19"/>
-    <p:sldId id="264" r:id="rId20"/>
-    <p:sldId id="265" r:id="rId21"/>
-    <p:sldId id="266" r:id="rId22"/>
-    <p:sldId id="267" r:id="rId23"/>
-    <p:sldId id="268" r:id="rId24"/>
-    <p:sldId id="269" r:id="rId25"/>
-    <p:sldId id="270" r:id="rId26"/>
-    <p:sldId id="271" r:id="rId27"/>
-    <p:sldId id="272" r:id="rId28"/>
-    <p:sldId id="273" r:id="rId29"/>
-    <p:sldId id="274" r:id="rId30"/>
-    <p:sldId id="275" r:id="rId31"/>
-    <p:sldId id="276" r:id="rId32"/>
-    <p:sldId id="277" r:id="rId33"/>
-    <p:sldId id="278" r:id="rId34"/>
-    <p:sldId id="279" r:id="rId35"/>
-    <p:sldId id="280" r:id="rId36"/>
-    <p:sldId id="281" r:id="rId37"/>
-    <p:sldId id="292" r:id="rId38"/>
-    <p:sldId id="293" r:id="rId39"/>
-    <p:sldId id="294" r:id="rId40"/>
-    <p:sldId id="295" r:id="rId41"/>
-    <p:sldId id="282" r:id="rId42"/>
+    <p:sldId id="256" r:id="rId2"/>
+    <p:sldId id="257" r:id="rId3"/>
+    <p:sldId id="258" r:id="rId4"/>
+    <p:sldId id="259" r:id="rId5"/>
+    <p:sldId id="283" r:id="rId6"/>
+    <p:sldId id="284" r:id="rId7"/>
+    <p:sldId id="285" r:id="rId8"/>
+    <p:sldId id="286" r:id="rId9"/>
+    <p:sldId id="287" r:id="rId10"/>
+    <p:sldId id="260" r:id="rId11"/>
+    <p:sldId id="261" r:id="rId12"/>
+    <p:sldId id="291" r:id="rId13"/>
+    <p:sldId id="288" r:id="rId14"/>
+    <p:sldId id="289" r:id="rId15"/>
+    <p:sldId id="290" r:id="rId16"/>
+    <p:sldId id="262" r:id="rId17"/>
+    <p:sldId id="263" r:id="rId18"/>
+    <p:sldId id="264" r:id="rId19"/>
+    <p:sldId id="265" r:id="rId20"/>
+    <p:sldId id="266" r:id="rId21"/>
+    <p:sldId id="267" r:id="rId22"/>
+    <p:sldId id="268" r:id="rId23"/>
+    <p:sldId id="269" r:id="rId24"/>
+    <p:sldId id="270" r:id="rId25"/>
+    <p:sldId id="271" r:id="rId26"/>
+    <p:sldId id="272" r:id="rId27"/>
+    <p:sldId id="273" r:id="rId28"/>
+    <p:sldId id="274" r:id="rId29"/>
+    <p:sldId id="275" r:id="rId30"/>
+    <p:sldId id="276" r:id="rId31"/>
+    <p:sldId id="277" r:id="rId32"/>
+    <p:sldId id="278" r:id="rId33"/>
+    <p:sldId id="279" r:id="rId34"/>
+    <p:sldId id="280" r:id="rId35"/>
+    <p:sldId id="281" r:id="rId36"/>
+    <p:sldId id="292" r:id="rId37"/>
+    <p:sldId id="293" r:id="rId38"/>
+    <p:sldId id="294" r:id="rId39"/>
+    <p:sldId id="295" r:id="rId40"/>
+    <p:sldId id="282" r:id="rId41"/>
   </p:sldIdLst>
   <p:sldSz cx="12192000" cy="6858000"/>
   <p:notesSz cx="12192000" cy="6858000"/>
@@ -143,6 +143,22 @@
       </a:defRPr>
     </a:lvl9pPr>
   </p:defaultTextStyle>
+  <p:extLst>
+    <p:ext uri="{EFAFB233-063F-42B5-8137-9DF3F51BA10A}">
+      <p15:sldGuideLst xmlns:p15="http://schemas.microsoft.com/office/powerpoint/2012/main">
+        <p15:guide id="1" orient="horz" pos="2880">
+          <p15:clr>
+            <a:srgbClr val="A4A3A4"/>
+          </p15:clr>
+        </p15:guide>
+        <p15:guide id="2" pos="2160">
+          <p15:clr>
+            <a:srgbClr val="A4A3A4"/>
+          </p15:clr>
+        </p15:guide>
+      </p15:sldGuideLst>
+    </p:ext>
+  </p:extLst>
 </p:presentation>
 </file>
 
@@ -228,6 +244,7 @@
           <a:p>
             <a:fld id="{3EFD42F7-718C-4B98-AAEC-167E6DDD60A7}" type="datetimeFigureOut">
               <a:rPr lang="en-US" smtClean="0"/>
+              <a:t>8/18/2023</a:t>
             </a:fld>
             <a:endParaRPr lang="en-US"/>
           </a:p>
@@ -291,42 +308,37 @@
           <a:p>
             <a:pPr lvl="0"/>
             <a:r>
-              <a:rPr lang="en-US" smtClean="0"/>
+              <a:rPr lang="en-US"/>
               <a:t>Click to edit Master text styles</a:t>
             </a:r>
-            <a:endParaRPr lang="en-US" smtClean="0"/>
           </a:p>
           <a:p>
             <a:pPr lvl="1"/>
             <a:r>
-              <a:rPr lang="en-US" smtClean="0"/>
+              <a:rPr lang="en-US"/>
               <a:t>Second level</a:t>
             </a:r>
-            <a:endParaRPr lang="en-US" smtClean="0"/>
           </a:p>
           <a:p>
             <a:pPr lvl="2"/>
             <a:r>
-              <a:rPr lang="en-US" smtClean="0"/>
+              <a:rPr lang="en-US"/>
               <a:t>Third level</a:t>
             </a:r>
-            <a:endParaRPr lang="en-US" smtClean="0"/>
           </a:p>
           <a:p>
             <a:pPr lvl="3"/>
             <a:r>
-              <a:rPr lang="en-US" smtClean="0"/>
+              <a:rPr lang="en-US"/>
               <a:t>Fourth level</a:t>
             </a:r>
-            <a:endParaRPr lang="en-US" smtClean="0"/>
           </a:p>
           <a:p>
             <a:pPr lvl="4"/>
             <a:r>
-              <a:rPr lang="en-US" smtClean="0"/>
+              <a:rPr lang="en-US"/>
               <a:t>Fifth level</a:t>
             </a:r>
-            <a:endParaRPr lang="en-US"/>
           </a:p>
         </p:txBody>
       </p:sp>
@@ -390,6 +402,7 @@
           <a:p>
             <a:fld id="{21B2AA4F-B828-4D7C-AFD3-893933DAFCB4}" type="slidenum">
               <a:rPr lang="en-US" smtClean="0"/>
+              <a:t>‹#›</a:t>
             </a:fld>
             <a:endParaRPr lang="en-US"/>
           </a:p>
@@ -538,7 +551,9 @@
               <a:defRPr/>
             </a:lvl1pPr>
           </a:lstStyle>
-          <a:p/>
+          <a:p>
+            <a:endParaRPr/>
+          </a:p>
         </p:txBody>
       </p:sp>
       <p:sp>
@@ -569,7 +584,9 @@
               <a:defRPr/>
             </a:lvl1pPr>
           </a:lstStyle>
-          <a:p/>
+          <a:p>
+            <a:endParaRPr/>
+          </a:p>
         </p:txBody>
       </p:sp>
       <p:sp>
@@ -596,7 +613,9 @@
               </a:defRPr>
             </a:lvl1pPr>
           </a:lstStyle>
-          <a:p/>
+          <a:p>
+            <a:endParaRPr/>
+          </a:p>
         </p:txBody>
       </p:sp>
       <p:sp>
@@ -626,6 +645,7 @@
           <a:p>
             <a:fld id="{1D8BD707-D9CF-40AE-B4C6-C98DA3205C09}" type="datetimeFigureOut">
               <a:rPr lang="en-US"/>
+              <a:t>8/18/2023</a:t>
             </a:fld>
             <a:endParaRPr lang="en-US"/>
           </a:p>
@@ -658,6 +678,7 @@
           <a:p>
             <a:fld id="{B6F15528-21DE-4FAA-801E-634DDDAF4B2B}" type="slidenum">
               <a:rPr/>
+              <a:t>‹#›</a:t>
             </a:fld>
             <a:endParaRPr/>
           </a:p>
@@ -713,7 +734,9 @@
               </a:defRPr>
             </a:lvl1pPr>
           </a:lstStyle>
-          <a:p/>
+          <a:p>
+            <a:endParaRPr/>
+          </a:p>
         </p:txBody>
       </p:sp>
       <p:sp>
@@ -734,7 +757,9 @@
               <a:defRPr/>
             </a:lvl1pPr>
           </a:lstStyle>
-          <a:p/>
+          <a:p>
+            <a:endParaRPr/>
+          </a:p>
         </p:txBody>
       </p:sp>
       <p:sp>
@@ -761,7 +786,9 @@
               </a:defRPr>
             </a:lvl1pPr>
           </a:lstStyle>
-          <a:p/>
+          <a:p>
+            <a:endParaRPr/>
+          </a:p>
         </p:txBody>
       </p:sp>
       <p:sp>
@@ -791,6 +818,7 @@
           <a:p>
             <a:fld id="{1D8BD707-D9CF-40AE-B4C6-C98DA3205C09}" type="datetimeFigureOut">
               <a:rPr lang="en-US"/>
+              <a:t>8/18/2023</a:t>
             </a:fld>
             <a:endParaRPr lang="en-US"/>
           </a:p>
@@ -823,6 +851,7 @@
           <a:p>
             <a:fld id="{B6F15528-21DE-4FAA-801E-634DDDAF4B2B}" type="slidenum">
               <a:rPr/>
+              <a:t>‹#›</a:t>
             </a:fld>
             <a:endParaRPr/>
           </a:p>
@@ -878,7 +907,9 @@
               </a:defRPr>
             </a:lvl1pPr>
           </a:lstStyle>
-          <a:p/>
+          <a:p>
+            <a:endParaRPr/>
+          </a:p>
         </p:txBody>
       </p:sp>
       <p:sp>
@@ -909,7 +940,9 @@
               <a:defRPr/>
             </a:lvl1pPr>
           </a:lstStyle>
-          <a:p/>
+          <a:p>
+            <a:endParaRPr/>
+          </a:p>
         </p:txBody>
       </p:sp>
       <p:sp>
@@ -940,7 +973,9 @@
               <a:defRPr/>
             </a:lvl1pPr>
           </a:lstStyle>
-          <a:p/>
+          <a:p>
+            <a:endParaRPr/>
+          </a:p>
         </p:txBody>
       </p:sp>
       <p:sp>
@@ -967,7 +1002,9 @@
               </a:defRPr>
             </a:lvl1pPr>
           </a:lstStyle>
-          <a:p/>
+          <a:p>
+            <a:endParaRPr/>
+          </a:p>
         </p:txBody>
       </p:sp>
       <p:sp>
@@ -997,6 +1034,7 @@
           <a:p>
             <a:fld id="{1D8BD707-D9CF-40AE-B4C6-C98DA3205C09}" type="datetimeFigureOut">
               <a:rPr lang="en-US"/>
+              <a:t>8/18/2023</a:t>
             </a:fld>
             <a:endParaRPr lang="en-US"/>
           </a:p>
@@ -1029,6 +1067,7 @@
           <a:p>
             <a:fld id="{B6F15528-21DE-4FAA-801E-634DDDAF4B2B}" type="slidenum">
               <a:rPr/>
+              <a:t>‹#›</a:t>
             </a:fld>
             <a:endParaRPr/>
           </a:p>
@@ -1084,7 +1123,9 @@
               </a:defRPr>
             </a:lvl1pPr>
           </a:lstStyle>
-          <a:p/>
+          <a:p>
+            <a:endParaRPr/>
+          </a:p>
         </p:txBody>
       </p:sp>
       <p:sp>
@@ -1111,7 +1152,9 @@
               </a:defRPr>
             </a:lvl1pPr>
           </a:lstStyle>
-          <a:p/>
+          <a:p>
+            <a:endParaRPr/>
+          </a:p>
         </p:txBody>
       </p:sp>
       <p:sp>
@@ -1141,6 +1184,7 @@
           <a:p>
             <a:fld id="{1D8BD707-D9CF-40AE-B4C6-C98DA3205C09}" type="datetimeFigureOut">
               <a:rPr lang="en-US"/>
+              <a:t>8/18/2023</a:t>
             </a:fld>
             <a:endParaRPr lang="en-US"/>
           </a:p>
@@ -1173,6 +1217,7 @@
           <a:p>
             <a:fld id="{B6F15528-21DE-4FAA-801E-634DDDAF4B2B}" type="slidenum">
               <a:rPr/>
+              <a:t>‹#›</a:t>
             </a:fld>
             <a:endParaRPr/>
           </a:p>
@@ -1188,7 +1233,7 @@
 </file>
 
 <file path=ppt/slideLayouts/slideLayout5.xml><?xml version="1.0" encoding="utf-8"?>
-<p:sldLayout xmlns:a="http://schemas.openxmlformats.org/drawingml/2006/main" xmlns:r="http://schemas.openxmlformats.org/officeDocument/2006/relationships" xmlns:p="http://schemas.openxmlformats.org/presentationml/2006/main" type="obj" preserve="1" showMasterSp="0">
+<p:sldLayout xmlns:a="http://schemas.openxmlformats.org/drawingml/2006/main" xmlns:r="http://schemas.openxmlformats.org/officeDocument/2006/relationships" xmlns:p="http://schemas.openxmlformats.org/presentationml/2006/main" showMasterSp="0" type="obj" preserve="1">
   <p:cSld name="Blank">
     <p:bg>
       <p:bgPr>
@@ -1258,7 +1303,9 @@
               </a:defRPr>
             </a:lvl1pPr>
           </a:lstStyle>
-          <a:p/>
+          <a:p>
+            <a:endParaRPr/>
+          </a:p>
         </p:txBody>
       </p:sp>
       <p:sp>
@@ -1288,6 +1335,7 @@
           <a:p>
             <a:fld id="{1D8BD707-D9CF-40AE-B4C6-C98DA3205C09}" type="datetimeFigureOut">
               <a:rPr lang="en-US"/>
+              <a:t>8/18/2023</a:t>
             </a:fld>
             <a:endParaRPr lang="en-US"/>
           </a:p>
@@ -1320,6 +1368,7 @@
           <a:p>
             <a:fld id="{B6F15528-21DE-4FAA-801E-634DDDAF4B2B}" type="slidenum">
               <a:rPr/>
+              <a:t>‹#›</a:t>
             </a:fld>
             <a:endParaRPr/>
           </a:p>
@@ -1393,7 +1442,9 @@
               </a:defRPr>
             </a:lvl1pPr>
           </a:lstStyle>
-          <a:p/>
+          <a:p>
+            <a:endParaRPr/>
+          </a:p>
         </p:txBody>
       </p:sp>
       <p:sp>
@@ -1424,7 +1475,9 @@
               <a:defRPr/>
             </a:lvl1pPr>
           </a:lstStyle>
-          <a:p/>
+          <a:p>
+            <a:endParaRPr/>
+          </a:p>
         </p:txBody>
       </p:sp>
       <p:sp>
@@ -1461,7 +1514,9 @@
               </a:defRPr>
             </a:lvl1pPr>
           </a:lstStyle>
-          <a:p/>
+          <a:p>
+            <a:endParaRPr/>
+          </a:p>
         </p:txBody>
       </p:sp>
       <p:sp>
@@ -1501,6 +1556,7 @@
           <a:p>
             <a:fld id="{1D8BD707-D9CF-40AE-B4C6-C98DA3205C09}" type="datetimeFigureOut">
               <a:rPr lang="en-US"/>
+              <a:t>8/18/2023</a:t>
             </a:fld>
             <a:endParaRPr lang="en-US"/>
           </a:p>
@@ -1543,6 +1599,7 @@
           <a:p>
             <a:fld id="{B6F15528-21DE-4FAA-801E-634DDDAF4B2B}" type="slidenum">
               <a:rPr/>
+              <a:t>‹#›</a:t>
             </a:fld>
             <a:endParaRPr/>
           </a:p>
@@ -1727,7 +1784,7 @@
           <p:nvPr/>
         </p:nvPicPr>
         <p:blipFill>
-          <a:blip r:embed="rId1" cstate="print"/>
+          <a:blip r:embed="rId2" cstate="print"/>
           <a:stretch>
             <a:fillRect/>
           </a:stretch>
@@ -2192,9 +2249,11 @@
         <p:spPr/>
         <p:txBody>
           <a:bodyPr/>
+          <a:lstStyle/>
           <a:p>
             <a:fld id="{B6F15528-21DE-4FAA-801E-634DDDAF4B2B}" type="slidenum">
               <a:rPr/>
+              <a:t>1</a:t>
             </a:fld>
             <a:endParaRPr/>
           </a:p>
@@ -2232,7 +2291,7 @@
           <p:nvPr/>
         </p:nvPicPr>
         <p:blipFill>
-          <a:blip r:embed="rId1" cstate="print"/>
+          <a:blip r:embed="rId2" cstate="print"/>
           <a:stretch>
             <a:fillRect/>
           </a:stretch>
@@ -2288,11 +2347,6 @@
               </a:rPr>
               <a:t>Response</a:t>
             </a:r>
-            <a:endParaRPr spc="-90" dirty="0">
-              <a:solidFill>
-                <a:srgbClr val="101010"/>
-              </a:solidFill>
-            </a:endParaRPr>
           </a:p>
         </p:txBody>
       </p:sp>
@@ -2309,9 +2363,11 @@
         <p:spPr/>
         <p:txBody>
           <a:bodyPr/>
+          <a:lstStyle/>
           <a:p>
             <a:fld id="{B6F15528-21DE-4FAA-801E-634DDDAF4B2B}" type="slidenum">
               <a:rPr/>
+              <a:t>10</a:t>
             </a:fld>
             <a:endParaRPr/>
           </a:p>
@@ -2517,7 +2573,9 @@
         <p:txBody>
           <a:bodyPr wrap="square" lIns="0" tIns="0" rIns="0" bIns="0" rtlCol="0"/>
           <a:lstStyle/>
-          <a:p/>
+          <a:p>
+            <a:endParaRPr/>
+          </a:p>
         </p:txBody>
       </p:sp>
       <p:sp>
@@ -2597,17 +2655,7 @@
                 <a:latin typeface="Verdana" panose="020B0604030504040204"/>
                 <a:cs typeface="Verdana" panose="020B0604030504040204"/>
               </a:rPr>
-              <a:t>t</a:t>
-            </a:r>
-            <a:r>
-              <a:rPr sz="2000" dirty="0">
-                <a:solidFill>
-                  <a:srgbClr val="2A9FBC"/>
-                </a:solidFill>
-                <a:latin typeface="Verdana" panose="020B0604030504040204"/>
-                <a:cs typeface="Verdana" panose="020B0604030504040204"/>
-              </a:rPr>
-              <a:t>y</a:t>
+              <a:t>ty</a:t>
             </a:r>
             <a:r>
               <a:rPr sz="2000" spc="70" dirty="0">
@@ -3121,17 +3169,7 @@
                 <a:latin typeface="Verdana" panose="020B0604030504040204"/>
                 <a:cs typeface="Verdana" panose="020B0604030504040204"/>
               </a:rPr>
-              <a:t>oo</a:t>
-            </a:r>
-            <a:r>
-              <a:rPr sz="2000" spc="25" dirty="0">
-                <a:solidFill>
-                  <a:srgbClr val="FFFFFF"/>
-                </a:solidFill>
-                <a:latin typeface="Verdana" panose="020B0604030504040204"/>
-                <a:cs typeface="Verdana" panose="020B0604030504040204"/>
-              </a:rPr>
-              <a:t>k</a:t>
+              <a:t>ook</a:t>
             </a:r>
             <a:r>
               <a:rPr sz="2000" spc="-45" dirty="0">
@@ -3293,9 +3331,11 @@
         <p:spPr/>
         <p:txBody>
           <a:bodyPr/>
+          <a:lstStyle/>
           <a:p>
             <a:fld id="{B6F15528-21DE-4FAA-801E-634DDDAF4B2B}" type="slidenum">
               <a:rPr/>
+              <a:t>11</a:t>
             </a:fld>
             <a:endParaRPr/>
           </a:p>
@@ -3333,7 +3373,7 @@
           <p:nvPr/>
         </p:nvPicPr>
         <p:blipFill>
-          <a:blip r:embed="rId1" cstate="print"/>
+          <a:blip r:embed="rId2" cstate="print"/>
           <a:stretch>
             <a:fillRect/>
           </a:stretch>
@@ -3385,9 +3425,9 @@
                 <a:latin typeface="Verdana" panose="020B0604030504040204"/>
                 <a:cs typeface="Verdana" panose="020B0604030504040204"/>
               </a:rPr>
-              <a:t>Assisted Practice</a:t>
-            </a:r>
-            <a:endParaRPr lang="en-US" sz="3600">
+              <a:t>Demo</a:t>
+            </a:r>
+            <a:endParaRPr lang="en-US" sz="3600" dirty="0">
               <a:latin typeface="Verdana" panose="020B0604030504040204"/>
               <a:cs typeface="Verdana" panose="020B0604030504040204"/>
             </a:endParaRPr>
@@ -3453,9 +3493,11 @@
         <p:spPr/>
         <p:txBody>
           <a:bodyPr/>
+          <a:lstStyle/>
           <a:p>
             <a:fld id="{B6F15528-21DE-4FAA-801E-634DDDAF4B2B}" type="slidenum">
               <a:rPr/>
+              <a:t>12</a:t>
             </a:fld>
             <a:endParaRPr/>
           </a:p>
@@ -3478,7 +3520,14 @@
         <p:cNvGrpSpPr/>
         <p:nvPr/>
       </p:nvGrpSpPr>
-      <p:grpSpPr/>
+      <p:grpSpPr>
+        <a:xfrm>
+          <a:off x="0" y="0"/>
+          <a:ext cx="0" cy="0"/>
+          <a:chOff x="0" y="0"/>
+          <a:chExt cx="0" cy="0"/>
+        </a:xfrm>
+      </p:grpSpPr>
       <p:sp>
         <p:nvSpPr>
           <p:cNvPr id="2" name="Title 1"/>
@@ -3492,6 +3541,7 @@
         <p:spPr/>
         <p:txBody>
           <a:bodyPr/>
+          <a:lstStyle/>
           <a:p>
             <a:endParaRPr lang="en-US"/>
           </a:p>
@@ -3510,6 +3560,7 @@
         <p:spPr/>
         <p:txBody>
           <a:bodyPr/>
+          <a:lstStyle/>
           <a:p>
             <a:endParaRPr lang="en-US"/>
           </a:p>
@@ -3528,9 +3579,11 @@
         <p:spPr/>
         <p:txBody>
           <a:bodyPr/>
+          <a:lstStyle/>
           <a:p>
             <a:fld id="{B6F15528-21DE-4FAA-801E-634DDDAF4B2B}" type="slidenum">
               <a:rPr/>
+              <a:t>13</a:t>
             </a:fld>
             <a:endParaRPr/>
           </a:p>
@@ -3545,7 +3598,7 @@
           <p:nvPr/>
         </p:nvPicPr>
         <p:blipFill>
-          <a:blip r:embed="rId1"/>
+          <a:blip r:embed="rId2"/>
           <a:stretch>
             <a:fillRect/>
           </a:stretch>
@@ -3577,7 +3630,14 @@
         <p:cNvGrpSpPr/>
         <p:nvPr/>
       </p:nvGrpSpPr>
-      <p:grpSpPr/>
+      <p:grpSpPr>
+        <a:xfrm>
+          <a:off x="0" y="0"/>
+          <a:ext cx="0" cy="0"/>
+          <a:chOff x="0" y="0"/>
+          <a:chExt cx="0" cy="0"/>
+        </a:xfrm>
+      </p:grpSpPr>
       <p:sp>
         <p:nvSpPr>
           <p:cNvPr id="2" name="Title 1"/>
@@ -3591,6 +3651,7 @@
         <p:spPr/>
         <p:txBody>
           <a:bodyPr/>
+          <a:lstStyle/>
           <a:p>
             <a:endParaRPr lang="en-US"/>
           </a:p>
@@ -3609,6 +3670,7 @@
         <p:spPr/>
         <p:txBody>
           <a:bodyPr/>
+          <a:lstStyle/>
           <a:p>
             <a:endParaRPr lang="en-US"/>
           </a:p>
@@ -3627,9 +3689,11 @@
         <p:spPr/>
         <p:txBody>
           <a:bodyPr/>
+          <a:lstStyle/>
           <a:p>
             <a:fld id="{B6F15528-21DE-4FAA-801E-634DDDAF4B2B}" type="slidenum">
               <a:rPr/>
+              <a:t>14</a:t>
             </a:fld>
             <a:endParaRPr/>
           </a:p>
@@ -3644,7 +3708,7 @@
           <p:nvPr/>
         </p:nvPicPr>
         <p:blipFill>
-          <a:blip r:embed="rId1"/>
+          <a:blip r:embed="rId2"/>
           <a:stretch>
             <a:fillRect/>
           </a:stretch>
@@ -3676,7 +3740,14 @@
         <p:cNvGrpSpPr/>
         <p:nvPr/>
       </p:nvGrpSpPr>
-      <p:grpSpPr/>
+      <p:grpSpPr>
+        <a:xfrm>
+          <a:off x="0" y="0"/>
+          <a:ext cx="0" cy="0"/>
+          <a:chOff x="0" y="0"/>
+          <a:chExt cx="0" cy="0"/>
+        </a:xfrm>
+      </p:grpSpPr>
       <p:sp>
         <p:nvSpPr>
           <p:cNvPr id="2" name="Title 1"/>
@@ -3690,6 +3761,7 @@
         <p:spPr/>
         <p:txBody>
           <a:bodyPr/>
+          <a:lstStyle/>
           <a:p>
             <a:endParaRPr lang="en-US"/>
           </a:p>
@@ -3708,6 +3780,7 @@
         <p:spPr/>
         <p:txBody>
           <a:bodyPr/>
+          <a:lstStyle/>
           <a:p>
             <a:endParaRPr lang="en-US"/>
           </a:p>
@@ -3726,9 +3799,11 @@
         <p:spPr/>
         <p:txBody>
           <a:bodyPr/>
+          <a:lstStyle/>
           <a:p>
             <a:fld id="{B6F15528-21DE-4FAA-801E-634DDDAF4B2B}" type="slidenum">
               <a:rPr/>
+              <a:t>15</a:t>
             </a:fld>
             <a:endParaRPr/>
           </a:p>
@@ -3743,7 +3818,7 @@
           <p:nvPr/>
         </p:nvPicPr>
         <p:blipFill>
-          <a:blip r:embed="rId1"/>
+          <a:blip r:embed="rId2"/>
           <a:stretch>
             <a:fillRect/>
           </a:stretch>
@@ -3852,9 +3927,11 @@
         <p:spPr/>
         <p:txBody>
           <a:bodyPr/>
+          <a:lstStyle/>
           <a:p>
             <a:fld id="{B6F15528-21DE-4FAA-801E-634DDDAF4B2B}" type="slidenum">
               <a:rPr/>
+              <a:t>16</a:t>
             </a:fld>
             <a:endParaRPr/>
           </a:p>
@@ -3922,7 +3999,9 @@
         <p:txBody>
           <a:bodyPr wrap="square" lIns="0" tIns="0" rIns="0" bIns="0" rtlCol="0"/>
           <a:lstStyle/>
-          <a:p/>
+          <a:p>
+            <a:endParaRPr/>
+          </a:p>
         </p:txBody>
       </p:sp>
       <p:sp>
@@ -4461,9 +4540,11 @@
         <p:spPr/>
         <p:txBody>
           <a:bodyPr/>
+          <a:lstStyle/>
           <a:p>
             <a:fld id="{B6F15528-21DE-4FAA-801E-634DDDAF4B2B}" type="slidenum">
               <a:rPr/>
+              <a:t>17</a:t>
             </a:fld>
             <a:endParaRPr/>
           </a:p>
@@ -4531,7 +4612,9 @@
         <p:txBody>
           <a:bodyPr wrap="square" lIns="0" tIns="0" rIns="0" bIns="0" rtlCol="0"/>
           <a:lstStyle/>
-          <a:p/>
+          <a:p>
+            <a:endParaRPr/>
+          </a:p>
         </p:txBody>
       </p:sp>
       <p:sp>
@@ -4722,9 +4805,11 @@
         <p:spPr/>
         <p:txBody>
           <a:bodyPr/>
+          <a:lstStyle/>
           <a:p>
             <a:fld id="{B6F15528-21DE-4FAA-801E-634DDDAF4B2B}" type="slidenum">
               <a:rPr/>
+              <a:t>18</a:t>
             </a:fld>
             <a:endParaRPr/>
           </a:p>
@@ -4800,7 +4885,9 @@
         <p:txBody>
           <a:bodyPr wrap="square" lIns="0" tIns="0" rIns="0" bIns="0" rtlCol="0"/>
           <a:lstStyle/>
-          <a:p/>
+          <a:p>
+            <a:endParaRPr/>
+          </a:p>
         </p:txBody>
       </p:sp>
       <p:sp>
@@ -5131,9 +5218,11 @@
         <p:spPr/>
         <p:txBody>
           <a:bodyPr/>
+          <a:lstStyle/>
           <a:p>
             <a:fld id="{B6F15528-21DE-4FAA-801E-634DDDAF4B2B}" type="slidenum">
               <a:rPr/>
+              <a:t>19</a:t>
             </a:fld>
             <a:endParaRPr/>
           </a:p>
@@ -5171,7 +5260,7 @@
           <p:nvPr/>
         </p:nvPicPr>
         <p:blipFill>
-          <a:blip r:embed="rId1" cstate="print"/>
+          <a:blip r:embed="rId2" cstate="print"/>
           <a:stretch>
             <a:fillRect/>
           </a:stretch>
@@ -5487,9 +5576,11 @@
         <p:spPr/>
         <p:txBody>
           <a:bodyPr/>
+          <a:lstStyle/>
           <a:p>
             <a:fld id="{B6F15528-21DE-4FAA-801E-634DDDAF4B2B}" type="slidenum">
               <a:rPr/>
+              <a:t>2</a:t>
             </a:fld>
             <a:endParaRPr/>
           </a:p>
@@ -5527,7 +5618,7 @@
           <p:nvPr/>
         </p:nvPicPr>
         <p:blipFill>
-          <a:blip r:embed="rId1" cstate="print"/>
+          <a:blip r:embed="rId2" cstate="print"/>
           <a:stretch>
             <a:fillRect/>
           </a:stretch>
@@ -5583,11 +5674,6 @@
               </a:rPr>
               <a:t>PageContext</a:t>
             </a:r>
-            <a:endParaRPr spc="-80" dirty="0">
-              <a:solidFill>
-                <a:srgbClr val="101010"/>
-              </a:solidFill>
-            </a:endParaRPr>
           </a:p>
         </p:txBody>
       </p:sp>
@@ -5604,9 +5690,11 @@
         <p:spPr/>
         <p:txBody>
           <a:bodyPr/>
+          <a:lstStyle/>
           <a:p>
             <a:fld id="{B6F15528-21DE-4FAA-801E-634DDDAF4B2B}" type="slidenum">
               <a:rPr/>
+              <a:t>20</a:t>
             </a:fld>
             <a:endParaRPr/>
           </a:p>
@@ -5674,7 +5762,9 @@
         <p:txBody>
           <a:bodyPr wrap="square" lIns="0" tIns="0" rIns="0" bIns="0" rtlCol="0"/>
           <a:lstStyle/>
-          <a:p/>
+          <a:p>
+            <a:endParaRPr/>
+          </a:p>
         </p:txBody>
       </p:sp>
       <p:sp>
@@ -5949,9 +6039,11 @@
         <p:spPr/>
         <p:txBody>
           <a:bodyPr/>
+          <a:lstStyle/>
           <a:p>
             <a:fld id="{B6F15528-21DE-4FAA-801E-634DDDAF4B2B}" type="slidenum">
               <a:rPr/>
+              <a:t>21</a:t>
             </a:fld>
             <a:endParaRPr/>
           </a:p>
@@ -6027,7 +6119,9 @@
         <p:txBody>
           <a:bodyPr wrap="square" lIns="0" tIns="0" rIns="0" bIns="0" rtlCol="0"/>
           <a:lstStyle/>
-          <a:p/>
+          <a:p>
+            <a:endParaRPr/>
+          </a:p>
         </p:txBody>
       </p:sp>
       <p:sp>
@@ -7410,17 +7504,7 @@
                 <a:latin typeface="Lucida Sans Unicode" panose="020B0602030504020204"/>
                 <a:cs typeface="Lucida Sans Unicode" panose="020B0602030504020204"/>
               </a:rPr>
-              <a:t>◀</a:t>
-            </a:r>
-            <a:r>
-              <a:rPr sz="1400" spc="-135" dirty="0">
-                <a:solidFill>
-                  <a:srgbClr val="3E3E3E"/>
-                </a:solidFill>
-                <a:latin typeface="Lucida Sans Unicode" panose="020B0602030504020204"/>
-                <a:cs typeface="Lucida Sans Unicode" panose="020B0602030504020204"/>
-              </a:rPr>
-              <a:t>	</a:t>
+              <a:t>◀	</a:t>
             </a:r>
             <a:r>
               <a:rPr sz="2000" spc="70" dirty="0">
@@ -8039,9 +8123,11 @@
         <p:spPr/>
         <p:txBody>
           <a:bodyPr/>
+          <a:lstStyle/>
           <a:p>
             <a:fld id="{B6F15528-21DE-4FAA-801E-634DDDAF4B2B}" type="slidenum">
               <a:rPr/>
+              <a:t>22</a:t>
             </a:fld>
             <a:endParaRPr/>
           </a:p>
@@ -8079,7 +8165,7 @@
           <p:nvPr/>
         </p:nvPicPr>
         <p:blipFill>
-          <a:blip r:embed="rId1" cstate="print"/>
+          <a:blip r:embed="rId2" cstate="print"/>
           <a:stretch>
             <a:fillRect/>
           </a:stretch>
@@ -8143,7 +8229,6 @@
               <a:rPr spc="-65" dirty="0"/>
               <a:t>n</a:t>
             </a:r>
-            <a:endParaRPr spc="-65" dirty="0"/>
           </a:p>
         </p:txBody>
       </p:sp>
@@ -8160,9 +8245,11 @@
         <p:spPr/>
         <p:txBody>
           <a:bodyPr/>
+          <a:lstStyle/>
           <a:p>
             <a:fld id="{B6F15528-21DE-4FAA-801E-634DDDAF4B2B}" type="slidenum">
               <a:rPr/>
+              <a:t>23</a:t>
             </a:fld>
             <a:endParaRPr/>
           </a:p>
@@ -8306,11 +8393,6 @@
               </a:rPr>
               <a:t>t</a:t>
             </a:r>
-            <a:endParaRPr spc="20" dirty="0">
-              <a:solidFill>
-                <a:srgbClr val="3E3E3E"/>
-              </a:solidFill>
-            </a:endParaRPr>
           </a:p>
         </p:txBody>
       </p:sp>
@@ -8321,7 +8403,7 @@
           <p:nvPr/>
         </p:nvPicPr>
         <p:blipFill>
-          <a:blip r:embed="rId1" cstate="print"/>
+          <a:blip r:embed="rId2" cstate="print"/>
           <a:stretch>
             <a:fillRect/>
           </a:stretch>
@@ -8349,9 +8431,11 @@
         <p:spPr/>
         <p:txBody>
           <a:bodyPr/>
+          <a:lstStyle/>
           <a:p>
             <a:fld id="{B6F15528-21DE-4FAA-801E-634DDDAF4B2B}" type="slidenum">
               <a:rPr/>
+              <a:t>24</a:t>
             </a:fld>
             <a:endParaRPr/>
           </a:p>
@@ -8419,7 +8503,9 @@
         <p:txBody>
           <a:bodyPr wrap="square" lIns="0" tIns="0" rIns="0" bIns="0" rtlCol="0"/>
           <a:lstStyle/>
-          <a:p/>
+          <a:p>
+            <a:endParaRPr/>
+          </a:p>
         </p:txBody>
       </p:sp>
       <p:sp>
@@ -8707,9 +8793,11 @@
         <p:spPr/>
         <p:txBody>
           <a:bodyPr/>
+          <a:lstStyle/>
           <a:p>
             <a:fld id="{B6F15528-21DE-4FAA-801E-634DDDAF4B2B}" type="slidenum">
               <a:rPr/>
+              <a:t>25</a:t>
             </a:fld>
             <a:endParaRPr/>
           </a:p>
@@ -8785,7 +8873,9 @@
         <p:txBody>
           <a:bodyPr wrap="square" lIns="0" tIns="0" rIns="0" bIns="0" rtlCol="0"/>
           <a:lstStyle/>
-          <a:p/>
+          <a:p>
+            <a:endParaRPr/>
+          </a:p>
         </p:txBody>
       </p:sp>
       <p:sp>
@@ -9191,9 +9281,11 @@
         <p:spPr/>
         <p:txBody>
           <a:bodyPr/>
+          <a:lstStyle/>
           <a:p>
             <a:fld id="{B6F15528-21DE-4FAA-801E-634DDDAF4B2B}" type="slidenum">
               <a:rPr/>
+              <a:t>26</a:t>
             </a:fld>
             <a:endParaRPr/>
           </a:p>
@@ -9231,7 +9323,7 @@
           <p:nvPr/>
         </p:nvPicPr>
         <p:blipFill>
-          <a:blip r:embed="rId1" cstate="print"/>
+          <a:blip r:embed="rId2" cstate="print"/>
           <a:stretch>
             <a:fillRect/>
           </a:stretch>
@@ -9279,7 +9371,6 @@
               <a:rPr spc="65" dirty="0"/>
               <a:t>Application</a:t>
             </a:r>
-            <a:endParaRPr spc="65" dirty="0"/>
           </a:p>
         </p:txBody>
       </p:sp>
@@ -9296,9 +9387,11 @@
         <p:spPr/>
         <p:txBody>
           <a:bodyPr/>
+          <a:lstStyle/>
           <a:p>
             <a:fld id="{B6F15528-21DE-4FAA-801E-634DDDAF4B2B}" type="slidenum">
               <a:rPr/>
+              <a:t>27</a:t>
             </a:fld>
             <a:endParaRPr/>
           </a:p>
@@ -9386,11 +9479,6 @@
               </a:rPr>
               <a:t>Object</a:t>
             </a:r>
-            <a:endParaRPr spc="25" dirty="0">
-              <a:solidFill>
-                <a:srgbClr val="3E3E3E"/>
-              </a:solidFill>
-            </a:endParaRPr>
           </a:p>
         </p:txBody>
       </p:sp>
@@ -9401,7 +9489,7 @@
           <p:nvPr/>
         </p:nvPicPr>
         <p:blipFill>
-          <a:blip r:embed="rId1" cstate="print"/>
+          <a:blip r:embed="rId2" cstate="print"/>
           <a:stretch>
             <a:fillRect/>
           </a:stretch>
@@ -9495,9 +9583,11 @@
         <p:spPr/>
         <p:txBody>
           <a:bodyPr/>
+          <a:lstStyle/>
           <a:p>
             <a:fld id="{B6F15528-21DE-4FAA-801E-634DDDAF4B2B}" type="slidenum">
               <a:rPr/>
+              <a:t>28</a:t>
             </a:fld>
             <a:endParaRPr/>
           </a:p>
@@ -9585,11 +9675,6 @@
               </a:rPr>
               <a:t>Object</a:t>
             </a:r>
-            <a:endParaRPr spc="25" dirty="0">
-              <a:solidFill>
-                <a:srgbClr val="3E3E3E"/>
-              </a:solidFill>
-            </a:endParaRPr>
           </a:p>
         </p:txBody>
       </p:sp>
@@ -9600,7 +9685,7 @@
           <p:nvPr/>
         </p:nvPicPr>
         <p:blipFill>
-          <a:blip r:embed="rId1" cstate="print"/>
+          <a:blip r:embed="rId2" cstate="print"/>
           <a:stretch>
             <a:fillRect/>
           </a:stretch>
@@ -9628,9 +9713,11 @@
         <p:spPr/>
         <p:txBody>
           <a:bodyPr/>
+          <a:lstStyle/>
           <a:p>
             <a:fld id="{B6F15528-21DE-4FAA-801E-634DDDAF4B2B}" type="slidenum">
               <a:rPr/>
+              <a:t>29</a:t>
             </a:fld>
             <a:endParaRPr/>
           </a:p>
@@ -9668,7 +9755,7 @@
           <p:nvPr/>
         </p:nvPicPr>
         <p:blipFill>
-          <a:blip r:embed="rId1" cstate="print"/>
+          <a:blip r:embed="rId2" cstate="print"/>
           <a:stretch>
             <a:fillRect/>
           </a:stretch>
@@ -9720,7 +9807,6 @@
               <a:rPr dirty="0"/>
               <a:t>Request</a:t>
             </a:r>
-            <a:endParaRPr dirty="0"/>
           </a:p>
         </p:txBody>
       </p:sp>
@@ -9737,9 +9823,11 @@
         <p:spPr/>
         <p:txBody>
           <a:bodyPr/>
+          <a:lstStyle/>
           <a:p>
             <a:fld id="{B6F15528-21DE-4FAA-801E-634DDDAF4B2B}" type="slidenum">
               <a:rPr/>
+              <a:t>3</a:t>
             </a:fld>
             <a:endParaRPr/>
           </a:p>
@@ -9815,7 +9903,9 @@
         <p:txBody>
           <a:bodyPr wrap="square" lIns="0" tIns="0" rIns="0" bIns="0" rtlCol="0"/>
           <a:lstStyle/>
-          <a:p/>
+          <a:p>
+            <a:endParaRPr/>
+          </a:p>
         </p:txBody>
       </p:sp>
       <p:sp>
@@ -10106,9 +10196,11 @@
         <p:spPr/>
         <p:txBody>
           <a:bodyPr/>
+          <a:lstStyle/>
           <a:p>
             <a:fld id="{B6F15528-21DE-4FAA-801E-634DDDAF4B2B}" type="slidenum">
               <a:rPr/>
+              <a:t>30</a:t>
             </a:fld>
             <a:endParaRPr/>
           </a:p>
@@ -10184,7 +10276,9 @@
         <p:txBody>
           <a:bodyPr wrap="square" lIns="0" tIns="0" rIns="0" bIns="0" rtlCol="0"/>
           <a:lstStyle/>
-          <a:p/>
+          <a:p>
+            <a:endParaRPr/>
+          </a:p>
         </p:txBody>
       </p:sp>
       <p:sp>
@@ -10451,9 +10545,11 @@
         <p:spPr/>
         <p:txBody>
           <a:bodyPr/>
+          <a:lstStyle/>
           <a:p>
             <a:fld id="{B6F15528-21DE-4FAA-801E-634DDDAF4B2B}" type="slidenum">
               <a:rPr/>
+              <a:t>31</a:t>
             </a:fld>
             <a:endParaRPr/>
           </a:p>
@@ -10491,7 +10587,7 @@
           <p:nvPr/>
         </p:nvPicPr>
         <p:blipFill>
-          <a:blip r:embed="rId1" cstate="print"/>
+          <a:blip r:embed="rId2" cstate="print"/>
           <a:stretch>
             <a:fillRect/>
           </a:stretch>
@@ -10555,7 +10651,6 @@
               <a:rPr spc="50" dirty="0"/>
               <a:t>fig</a:t>
             </a:r>
-            <a:endParaRPr spc="50" dirty="0"/>
           </a:p>
         </p:txBody>
       </p:sp>
@@ -10572,9 +10667,11 @@
         <p:spPr/>
         <p:txBody>
           <a:bodyPr/>
+          <a:lstStyle/>
           <a:p>
             <a:fld id="{B6F15528-21DE-4FAA-801E-634DDDAF4B2B}" type="slidenum">
               <a:rPr/>
+              <a:t>32</a:t>
             </a:fld>
             <a:endParaRPr/>
           </a:p>
@@ -10662,11 +10759,6 @@
               </a:rPr>
               <a:t>Object</a:t>
             </a:r>
-            <a:endParaRPr spc="40" dirty="0">
-              <a:solidFill>
-                <a:srgbClr val="3E3E3E"/>
-              </a:solidFill>
-            </a:endParaRPr>
           </a:p>
         </p:txBody>
       </p:sp>
@@ -10677,7 +10769,7 @@
           <p:nvPr/>
         </p:nvPicPr>
         <p:blipFill>
-          <a:blip r:embed="rId1" cstate="print"/>
+          <a:blip r:embed="rId2" cstate="print"/>
           <a:stretch>
             <a:fillRect/>
           </a:stretch>
@@ -10705,9 +10797,11 @@
         <p:spPr/>
         <p:txBody>
           <a:bodyPr/>
+          <a:lstStyle/>
           <a:p>
             <a:fld id="{B6F15528-21DE-4FAA-801E-634DDDAF4B2B}" type="slidenum">
               <a:rPr/>
+              <a:t>33</a:t>
             </a:fld>
             <a:endParaRPr/>
           </a:p>
@@ -10775,7 +10869,9 @@
         <p:txBody>
           <a:bodyPr wrap="square" lIns="0" tIns="0" rIns="0" bIns="0" rtlCol="0"/>
           <a:lstStyle/>
-          <a:p/>
+          <a:p>
+            <a:endParaRPr/>
+          </a:p>
         </p:txBody>
       </p:sp>
       <p:sp>
@@ -10995,9 +11091,11 @@
         <p:spPr/>
         <p:txBody>
           <a:bodyPr/>
+          <a:lstStyle/>
           <a:p>
             <a:fld id="{B6F15528-21DE-4FAA-801E-634DDDAF4B2B}" type="slidenum">
               <a:rPr/>
+              <a:t>34</a:t>
             </a:fld>
             <a:endParaRPr/>
           </a:p>
@@ -11041,9 +11139,11 @@
         <p:spPr/>
         <p:txBody>
           <a:bodyPr/>
+          <a:lstStyle/>
           <a:p>
             <a:fld id="{B6F15528-21DE-4FAA-801E-634DDDAF4B2B}" type="slidenum">
               <a:rPr/>
+              <a:t>35</a:t>
             </a:fld>
             <a:endParaRPr/>
           </a:p>
@@ -11052,7 +11152,9 @@
       <p:sp>
         <p:nvSpPr>
           <p:cNvPr id="6" name="Title 5"/>
-          <p:cNvSpPr/>
+          <p:cNvSpPr>
+            <a:spLocks noGrp="1"/>
+          </p:cNvSpPr>
           <p:nvPr>
             <p:ph type="title"/>
           </p:nvPr>
@@ -11060,6 +11162,7 @@
         <p:spPr/>
         <p:txBody>
           <a:bodyPr/>
+          <a:lstStyle/>
           <a:p>
             <a:endParaRPr lang="en-US"/>
           </a:p>
@@ -11074,7 +11177,7 @@
           <p:nvPr/>
         </p:nvPicPr>
         <p:blipFill>
-          <a:blip r:embed="rId1"/>
+          <a:blip r:embed="rId2"/>
           <a:stretch>
             <a:fillRect/>
           </a:stretch>
@@ -11106,7 +11209,14 @@
         <p:cNvGrpSpPr/>
         <p:nvPr/>
       </p:nvGrpSpPr>
-      <p:grpSpPr/>
+      <p:grpSpPr>
+        <a:xfrm>
+          <a:off x="0" y="0"/>
+          <a:ext cx="0" cy="0"/>
+          <a:chOff x="0" y="0"/>
+          <a:chExt cx="0" cy="0"/>
+        </a:xfrm>
+      </p:grpSpPr>
       <p:sp>
         <p:nvSpPr>
           <p:cNvPr id="2" name="Title 1"/>
@@ -11120,6 +11230,7 @@
         <p:spPr/>
         <p:txBody>
           <a:bodyPr/>
+          <a:lstStyle/>
           <a:p>
             <a:endParaRPr lang="en-US"/>
           </a:p>
@@ -11138,6 +11249,7 @@
         <p:spPr/>
         <p:txBody>
           <a:bodyPr/>
+          <a:lstStyle/>
           <a:p>
             <a:endParaRPr lang="en-US"/>
           </a:p>
@@ -11156,9 +11268,11 @@
         <p:spPr/>
         <p:txBody>
           <a:bodyPr/>
+          <a:lstStyle/>
           <a:p>
             <a:fld id="{B6F15528-21DE-4FAA-801E-634DDDAF4B2B}" type="slidenum">
               <a:rPr/>
+              <a:t>36</a:t>
             </a:fld>
             <a:endParaRPr/>
           </a:p>
@@ -11173,7 +11287,7 @@
           <p:nvPr/>
         </p:nvPicPr>
         <p:blipFill>
-          <a:blip r:embed="rId1"/>
+          <a:blip r:embed="rId2"/>
           <a:stretch>
             <a:fillRect/>
           </a:stretch>
@@ -11205,7 +11319,14 @@
         <p:cNvGrpSpPr/>
         <p:nvPr/>
       </p:nvGrpSpPr>
-      <p:grpSpPr/>
+      <p:grpSpPr>
+        <a:xfrm>
+          <a:off x="0" y="0"/>
+          <a:ext cx="0" cy="0"/>
+          <a:chOff x="0" y="0"/>
+          <a:chExt cx="0" cy="0"/>
+        </a:xfrm>
+      </p:grpSpPr>
       <p:sp>
         <p:nvSpPr>
           <p:cNvPr id="2" name="Title 1"/>
@@ -11219,6 +11340,7 @@
         <p:spPr/>
         <p:txBody>
           <a:bodyPr/>
+          <a:lstStyle/>
           <a:p>
             <a:endParaRPr lang="en-US"/>
           </a:p>
@@ -11237,6 +11359,7 @@
         <p:spPr/>
         <p:txBody>
           <a:bodyPr/>
+          <a:lstStyle/>
           <a:p>
             <a:endParaRPr lang="en-US"/>
           </a:p>
@@ -11255,9 +11378,11 @@
         <p:spPr/>
         <p:txBody>
           <a:bodyPr/>
+          <a:lstStyle/>
           <a:p>
             <a:fld id="{B6F15528-21DE-4FAA-801E-634DDDAF4B2B}" type="slidenum">
               <a:rPr/>
+              <a:t>37</a:t>
             </a:fld>
             <a:endParaRPr/>
           </a:p>
@@ -11277,12 +11402,12 @@
           <a:graphicData uri="http://schemas.openxmlformats.org/presentationml/2006/ole">
             <mc:AlternateContent xmlns:mc="http://schemas.openxmlformats.org/markup-compatibility/2006">
               <mc:Choice xmlns:v="urn:schemas-microsoft-com:vml" Requires="v">
-                <p:oleObj spid="_x0000_s6" name="" r:id="rId1" imgW="10496550" imgH="5657850" progId="Paint.Picture">
+                <p:oleObj r:id="rId2" imgW="10496550" imgH="5657850" progId="Paint.Picture">
                   <p:embed/>
                 </p:oleObj>
               </mc:Choice>
               <mc:Fallback>
-                <p:oleObj name="" r:id="rId1" imgW="10496550" imgH="5657850" progId="Paint.Picture">
+                <p:oleObj r:id="rId2" imgW="10496550" imgH="5657850" progId="Paint.Picture">
                   <p:embed/>
                   <p:pic>
                     <p:nvPicPr>
@@ -11291,7 +11416,7 @@
                       <p:nvPr/>
                     </p:nvPicPr>
                     <p:blipFill>
-                      <a:blip r:embed="rId2"/>
+                      <a:blip r:embed="rId3"/>
                       <a:stretch>
                         <a:fillRect/>
                       </a:stretch>
@@ -11329,7 +11454,14 @@
         <p:cNvGrpSpPr/>
         <p:nvPr/>
       </p:nvGrpSpPr>
-      <p:grpSpPr/>
+      <p:grpSpPr>
+        <a:xfrm>
+          <a:off x="0" y="0"/>
+          <a:ext cx="0" cy="0"/>
+          <a:chOff x="0" y="0"/>
+          <a:chExt cx="0" cy="0"/>
+        </a:xfrm>
+      </p:grpSpPr>
       <p:sp>
         <p:nvSpPr>
           <p:cNvPr id="2" name="Title 1"/>
@@ -11343,6 +11475,7 @@
         <p:spPr/>
         <p:txBody>
           <a:bodyPr/>
+          <a:lstStyle/>
           <a:p>
             <a:endParaRPr lang="en-US"/>
           </a:p>
@@ -11361,6 +11494,7 @@
         <p:spPr/>
         <p:txBody>
           <a:bodyPr/>
+          <a:lstStyle/>
           <a:p>
             <a:endParaRPr lang="en-US"/>
           </a:p>
@@ -11379,9 +11513,11 @@
         <p:spPr/>
         <p:txBody>
           <a:bodyPr/>
+          <a:lstStyle/>
           <a:p>
             <a:fld id="{B6F15528-21DE-4FAA-801E-634DDDAF4B2B}" type="slidenum">
               <a:rPr/>
+              <a:t>38</a:t>
             </a:fld>
             <a:endParaRPr/>
           </a:p>
@@ -11396,7 +11532,7 @@
           <p:nvPr/>
         </p:nvPicPr>
         <p:blipFill>
-          <a:blip r:embed="rId1"/>
+          <a:blip r:embed="rId2"/>
           <a:stretch>
             <a:fillRect/>
           </a:stretch>
@@ -11428,7 +11564,14 @@
         <p:cNvGrpSpPr/>
         <p:nvPr/>
       </p:nvGrpSpPr>
-      <p:grpSpPr/>
+      <p:grpSpPr>
+        <a:xfrm>
+          <a:off x="0" y="0"/>
+          <a:ext cx="0" cy="0"/>
+          <a:chOff x="0" y="0"/>
+          <a:chExt cx="0" cy="0"/>
+        </a:xfrm>
+      </p:grpSpPr>
       <p:sp>
         <p:nvSpPr>
           <p:cNvPr id="2" name="Title 1"/>
@@ -11442,6 +11585,7 @@
         <p:spPr/>
         <p:txBody>
           <a:bodyPr/>
+          <a:lstStyle/>
           <a:p>
             <a:endParaRPr lang="en-US"/>
           </a:p>
@@ -11460,6 +11604,7 @@
         <p:spPr/>
         <p:txBody>
           <a:bodyPr/>
+          <a:lstStyle/>
           <a:p>
             <a:endParaRPr lang="en-US"/>
           </a:p>
@@ -11478,9 +11623,11 @@
         <p:spPr/>
         <p:txBody>
           <a:bodyPr/>
+          <a:lstStyle/>
           <a:p>
             <a:fld id="{B6F15528-21DE-4FAA-801E-634DDDAF4B2B}" type="slidenum">
               <a:rPr/>
+              <a:t>39</a:t>
             </a:fld>
             <a:endParaRPr/>
           </a:p>
@@ -11495,7 +11642,7 @@
           <p:nvPr/>
         </p:nvPicPr>
         <p:blipFill>
-          <a:blip r:embed="rId1"/>
+          <a:blip r:embed="rId2"/>
           <a:stretch>
             <a:fillRect/>
           </a:stretch>
@@ -11572,7 +11719,9 @@
         <p:txBody>
           <a:bodyPr wrap="square" lIns="0" tIns="0" rIns="0" bIns="0" rtlCol="0"/>
           <a:lstStyle/>
-          <a:p/>
+          <a:p>
+            <a:endParaRPr/>
+          </a:p>
         </p:txBody>
       </p:sp>
       <p:sp>
@@ -11890,11 +12039,6 @@
               </a:rPr>
               <a:t>Object</a:t>
             </a:r>
-            <a:endParaRPr spc="25" dirty="0">
-              <a:solidFill>
-                <a:srgbClr val="3E3E3E"/>
-              </a:solidFill>
-            </a:endParaRPr>
           </a:p>
           <a:p>
             <a:pPr marR="14605" algn="r">
@@ -11910,11 +12054,6 @@
               </a:rPr>
               <a:t>Methods</a:t>
             </a:r>
-            <a:endParaRPr spc="20" dirty="0">
-              <a:solidFill>
-                <a:srgbClr val="3E3E3E"/>
-              </a:solidFill>
-            </a:endParaRPr>
           </a:p>
         </p:txBody>
       </p:sp>
@@ -11931,9 +12070,11 @@
         <p:spPr/>
         <p:txBody>
           <a:bodyPr/>
+          <a:lstStyle/>
           <a:p>
             <a:fld id="{B6F15528-21DE-4FAA-801E-634DDDAF4B2B}" type="slidenum">
               <a:rPr/>
+              <a:t>4</a:t>
             </a:fld>
             <a:endParaRPr/>
           </a:p>
@@ -11971,7 +12112,7 @@
           <p:nvPr/>
         </p:nvPicPr>
         <p:blipFill>
-          <a:blip r:embed="rId1" cstate="print"/>
+          <a:blip r:embed="rId2" cstate="print"/>
           <a:stretch>
             <a:fillRect/>
           </a:stretch>
@@ -12247,9 +12388,11 @@
         <p:spPr/>
         <p:txBody>
           <a:bodyPr/>
+          <a:lstStyle/>
           <a:p>
             <a:fld id="{B6F15528-21DE-4FAA-801E-634DDDAF4B2B}" type="slidenum">
               <a:rPr/>
+              <a:t>40</a:t>
             </a:fld>
             <a:endParaRPr/>
           </a:p>
@@ -12272,7 +12415,14 @@
         <p:cNvGrpSpPr/>
         <p:nvPr/>
       </p:nvGrpSpPr>
-      <p:grpSpPr/>
+      <p:grpSpPr>
+        <a:xfrm>
+          <a:off x="0" y="0"/>
+          <a:ext cx="0" cy="0"/>
+          <a:chOff x="0" y="0"/>
+          <a:chExt cx="0" cy="0"/>
+        </a:xfrm>
+      </p:grpSpPr>
       <p:sp>
         <p:nvSpPr>
           <p:cNvPr id="2" name="Title 1"/>
@@ -12286,6 +12436,7 @@
         <p:spPr/>
         <p:txBody>
           <a:bodyPr/>
+          <a:lstStyle/>
           <a:p>
             <a:endParaRPr lang="en-US"/>
           </a:p>
@@ -12304,6 +12455,7 @@
         <p:spPr/>
         <p:txBody>
           <a:bodyPr/>
+          <a:lstStyle/>
           <a:p>
             <a:endParaRPr lang="en-US"/>
           </a:p>
@@ -12322,9 +12474,11 @@
         <p:spPr/>
         <p:txBody>
           <a:bodyPr/>
+          <a:lstStyle/>
           <a:p>
             <a:fld id="{B6F15528-21DE-4FAA-801E-634DDDAF4B2B}" type="slidenum">
               <a:rPr/>
+              <a:t>5</a:t>
             </a:fld>
             <a:endParaRPr/>
           </a:p>
@@ -12339,7 +12493,7 @@
           <p:nvPr/>
         </p:nvPicPr>
         <p:blipFill>
-          <a:blip r:embed="rId1"/>
+          <a:blip r:embed="rId2"/>
           <a:stretch>
             <a:fillRect/>
           </a:stretch>
@@ -12371,7 +12525,14 @@
         <p:cNvGrpSpPr/>
         <p:nvPr/>
       </p:nvGrpSpPr>
-      <p:grpSpPr/>
+      <p:grpSpPr>
+        <a:xfrm>
+          <a:off x="0" y="0"/>
+          <a:ext cx="0" cy="0"/>
+          <a:chOff x="0" y="0"/>
+          <a:chExt cx="0" cy="0"/>
+        </a:xfrm>
+      </p:grpSpPr>
       <p:sp>
         <p:nvSpPr>
           <p:cNvPr id="2" name="Title 1"/>
@@ -12385,6 +12546,7 @@
         <p:spPr/>
         <p:txBody>
           <a:bodyPr/>
+          <a:lstStyle/>
           <a:p>
             <a:endParaRPr lang="en-US"/>
           </a:p>
@@ -12403,6 +12565,7 @@
         <p:spPr/>
         <p:txBody>
           <a:bodyPr/>
+          <a:lstStyle/>
           <a:p>
             <a:endParaRPr lang="en-US"/>
           </a:p>
@@ -12421,9 +12584,11 @@
         <p:spPr/>
         <p:txBody>
           <a:bodyPr/>
+          <a:lstStyle/>
           <a:p>
             <a:fld id="{B6F15528-21DE-4FAA-801E-634DDDAF4B2B}" type="slidenum">
               <a:rPr/>
+              <a:t>6</a:t>
             </a:fld>
             <a:endParaRPr/>
           </a:p>
@@ -12438,7 +12603,7 @@
           <p:nvPr/>
         </p:nvPicPr>
         <p:blipFill>
-          <a:blip r:embed="rId1"/>
+          <a:blip r:embed="rId2"/>
           <a:stretch>
             <a:fillRect/>
           </a:stretch>
@@ -12470,7 +12635,14 @@
         <p:cNvGrpSpPr/>
         <p:nvPr/>
       </p:nvGrpSpPr>
-      <p:grpSpPr/>
+      <p:grpSpPr>
+        <a:xfrm>
+          <a:off x="0" y="0"/>
+          <a:ext cx="0" cy="0"/>
+          <a:chOff x="0" y="0"/>
+          <a:chExt cx="0" cy="0"/>
+        </a:xfrm>
+      </p:grpSpPr>
       <p:sp>
         <p:nvSpPr>
           <p:cNvPr id="2" name="Title 1"/>
@@ -12484,6 +12656,7 @@
         <p:spPr/>
         <p:txBody>
           <a:bodyPr/>
+          <a:lstStyle/>
           <a:p>
             <a:endParaRPr lang="en-US"/>
           </a:p>
@@ -12502,6 +12675,7 @@
         <p:spPr/>
         <p:txBody>
           <a:bodyPr/>
+          <a:lstStyle/>
           <a:p>
             <a:endParaRPr lang="en-US"/>
           </a:p>
@@ -12520,9 +12694,11 @@
         <p:spPr/>
         <p:txBody>
           <a:bodyPr/>
+          <a:lstStyle/>
           <a:p>
             <a:fld id="{B6F15528-21DE-4FAA-801E-634DDDAF4B2B}" type="slidenum">
               <a:rPr/>
+              <a:t>7</a:t>
             </a:fld>
             <a:endParaRPr/>
           </a:p>
@@ -12537,7 +12713,7 @@
           <p:nvPr/>
         </p:nvPicPr>
         <p:blipFill>
-          <a:blip r:embed="rId1"/>
+          <a:blip r:embed="rId2"/>
           <a:stretch>
             <a:fillRect/>
           </a:stretch>
@@ -12569,7 +12745,14 @@
         <p:cNvGrpSpPr/>
         <p:nvPr/>
       </p:nvGrpSpPr>
-      <p:grpSpPr/>
+      <p:grpSpPr>
+        <a:xfrm>
+          <a:off x="0" y="0"/>
+          <a:ext cx="0" cy="0"/>
+          <a:chOff x="0" y="0"/>
+          <a:chExt cx="0" cy="0"/>
+        </a:xfrm>
+      </p:grpSpPr>
       <p:sp>
         <p:nvSpPr>
           <p:cNvPr id="2" name="Title 1"/>
@@ -12583,6 +12766,7 @@
         <p:spPr/>
         <p:txBody>
           <a:bodyPr/>
+          <a:lstStyle/>
           <a:p>
             <a:endParaRPr lang="en-US"/>
           </a:p>
@@ -12601,6 +12785,7 @@
         <p:spPr/>
         <p:txBody>
           <a:bodyPr/>
+          <a:lstStyle/>
           <a:p>
             <a:endParaRPr lang="en-US"/>
           </a:p>
@@ -12619,9 +12804,11 @@
         <p:spPr/>
         <p:txBody>
           <a:bodyPr/>
+          <a:lstStyle/>
           <a:p>
             <a:fld id="{B6F15528-21DE-4FAA-801E-634DDDAF4B2B}" type="slidenum">
               <a:rPr/>
+              <a:t>8</a:t>
             </a:fld>
             <a:endParaRPr/>
           </a:p>
@@ -12636,7 +12823,7 @@
           <p:nvPr/>
         </p:nvPicPr>
         <p:blipFill>
-          <a:blip r:embed="rId1"/>
+          <a:blip r:embed="rId2"/>
           <a:stretch>
             <a:fillRect/>
           </a:stretch>
@@ -12668,7 +12855,14 @@
         <p:cNvGrpSpPr/>
         <p:nvPr/>
       </p:nvGrpSpPr>
-      <p:grpSpPr/>
+      <p:grpSpPr>
+        <a:xfrm>
+          <a:off x="0" y="0"/>
+          <a:ext cx="0" cy="0"/>
+          <a:chOff x="0" y="0"/>
+          <a:chExt cx="0" cy="0"/>
+        </a:xfrm>
+      </p:grpSpPr>
       <p:sp>
         <p:nvSpPr>
           <p:cNvPr id="2" name="Title 1"/>
@@ -12682,6 +12876,7 @@
         <p:spPr/>
         <p:txBody>
           <a:bodyPr/>
+          <a:lstStyle/>
           <a:p>
             <a:endParaRPr lang="en-US"/>
           </a:p>
@@ -12700,6 +12895,7 @@
         <p:spPr/>
         <p:txBody>
           <a:bodyPr/>
+          <a:lstStyle/>
           <a:p>
             <a:endParaRPr lang="en-US"/>
           </a:p>
@@ -12718,9 +12914,11 @@
         <p:spPr/>
         <p:txBody>
           <a:bodyPr/>
+          <a:lstStyle/>
           <a:p>
             <a:fld id="{B6F15528-21DE-4FAA-801E-634DDDAF4B2B}" type="slidenum">
               <a:rPr/>
+              <a:t>9</a:t>
             </a:fld>
             <a:endParaRPr/>
           </a:p>
@@ -12735,7 +12933,7 @@
           <p:nvPr/>
         </p:nvPicPr>
         <p:blipFill>
-          <a:blip r:embed="rId1"/>
+          <a:blip r:embed="rId2"/>
           <a:stretch>
             <a:fillRect/>
           </a:stretch>
@@ -13036,6 +13234,8 @@
       </a:bgFillStyleLst>
     </a:fmtScheme>
   </a:themeElements>
+  <a:objectDefaults/>
+  <a:extraClrSchemeLst/>
   <a:extLst>
     <a:ext uri="{05A4C25C-085E-4340-85A3-A5531E510DB2}">
       <thm15:themeFamily xmlns:thm15="http://schemas.microsoft.com/office/thememl/2012/main" name="Office Theme" id="{62F939B6-93AF-4DB8-9C6B-D6C7DFDC589F}" vid="{4A3C46E8-61CC-4603-A589-7422A47A8E4A}"/>
@@ -13295,6 +13495,8 @@
       </a:bgFillStyleLst>
     </a:fmtScheme>
   </a:themeElements>
+  <a:objectDefaults/>
+  <a:extraClrSchemeLst/>
   <a:extLst>
     <a:ext uri="{05A4C25C-085E-4340-85A3-A5531E510DB2}">
       <thm15:themeFamily xmlns:thm15="http://schemas.microsoft.com/office/thememl/2012/main" name="Office Theme" id="{62F939B6-93AF-4DB8-9C6B-D6C7DFDC589F}" vid="{4A3C46E8-61CC-4603-A589-7422A47A8E4A}"/>

--- a/Day 9 & 10/2. JSPs/Slides/4. Using the Request and Server Context through Built-in Objects/4-java-ee-java-server-pages-m4-slides.pptx
+++ b/Day 9 & 10/2. JSPs/Slides/4. Using the Request and Server Context through Built-in Objects/4-java-ee-java-server-pages-m4-slides.pptx
@@ -2232,7 +2232,15 @@
               </a:rPr>
               <a:t>ect</a:t>
             </a:r>
-            <a:endParaRPr sz="4500"/>
+            <a:r>
+              <a:rPr lang="en-US" sz="4500" spc="-30" dirty="0">
+                <a:solidFill>
+                  <a:srgbClr val="101010"/>
+                </a:solidFill>
+              </a:rPr>
+              <a:t>s</a:t>
+            </a:r>
+            <a:endParaRPr sz="4500" dirty="0"/>
           </a:p>
         </p:txBody>
       </p:sp>
@@ -11763,7 +11771,7 @@
               </a:rPr>
               <a:t>setAttribute</a:t>
             </a:r>
-            <a:endParaRPr sz="2400">
+            <a:endParaRPr sz="2400" dirty="0">
               <a:latin typeface="Verdana" panose="020B0604030504040204"/>
               <a:cs typeface="Verdana" panose="020B0604030504040204"/>
             </a:endParaRPr>
@@ -11874,7 +11882,7 @@
               </a:rPr>
               <a:t>getMethod()</a:t>
             </a:r>
-            <a:endParaRPr sz="2400">
+            <a:endParaRPr sz="2400" dirty="0">
               <a:latin typeface="Verdana" panose="020B0604030504040204"/>
               <a:cs typeface="Verdana" panose="020B0604030504040204"/>
             </a:endParaRPr>
@@ -11975,7 +11983,7 @@
               </a:rPr>
               <a:t>getLocale()</a:t>
             </a:r>
-            <a:endParaRPr sz="2400">
+            <a:endParaRPr sz="2400" dirty="0">
               <a:latin typeface="Verdana" panose="020B0604030504040204"/>
               <a:cs typeface="Verdana" panose="020B0604030504040204"/>
             </a:endParaRPr>
